--- a/Machine Learning Barkeep Presentation.pptx
+++ b/Machine Learning Barkeep Presentation.pptx
@@ -133,6 +133,7 @@
 <p1510:revInfo xmlns:a="http://schemas.openxmlformats.org/drawingml/2006/main" xmlns:r="http://schemas.openxmlformats.org/officeDocument/2006/relationships" xmlns:p1510="http://schemas.microsoft.com/office/powerpoint/2015/10/main">
   <p1510:revLst>
     <p1510:client id="{3B6E4F32-602C-4C6F-A3A6-774D5A7AD723}" v="22" dt="2019-10-09T01:47:16.695"/>
+    <p1510:client id="{53EA0085-B5FC-4E3C-AB00-56976FE1A08C}" v="25" dt="2019-10-09T18:42:08"/>
   </p1510:revLst>
 </p1510:revInfo>
 </file>
@@ -1557,7 +1558,7 @@
           <a:p>
             <a:fld id="{F6C2B26F-7429-404A-9C5E-0E429E02A42E}" type="datetimeFigureOut">
               <a:rPr lang="en-US" smtClean="0"/>
-              <a:t>10/8/2019</a:t>
+              <a:t>10/9/2019</a:t>
             </a:fld>
             <a:endParaRPr lang="en-US" dirty="0"/>
           </a:p>
@@ -1734,7 +1735,7 @@
           <a:p>
             <a:fld id="{615A0E3A-0C98-4EA0-AAC9-F2996360A904}" type="datetimeFigureOut">
               <a:rPr lang="en-US" smtClean="0"/>
-              <a:t>10/8/2019</a:t>
+              <a:t>10/9/2019</a:t>
             </a:fld>
             <a:endParaRPr lang="en-US" dirty="0"/>
           </a:p>
@@ -3246,7 +3247,7 @@
             <a:fld id="{B61BEF0D-F0BB-DE4B-95CE-6DB70DBA9567}" type="datetimeFigureOut">
               <a:rPr lang="en-US" smtClean="0"/>
               <a:pPr/>
-              <a:t>10/8/2019</a:t>
+              <a:t>10/9/2019</a:t>
             </a:fld>
             <a:endParaRPr lang="en-US" dirty="0"/>
           </a:p>
@@ -3586,7 +3587,7 @@
             <a:fld id="{B61BEF0D-F0BB-DE4B-95CE-6DB70DBA9567}" type="datetimeFigureOut">
               <a:rPr lang="en-US" smtClean="0"/>
               <a:pPr/>
-              <a:t>10/8/2019</a:t>
+              <a:t>10/9/2019</a:t>
             </a:fld>
             <a:endParaRPr lang="en-US" dirty="0"/>
           </a:p>
@@ -3989,7 +3990,7 @@
             <a:fld id="{B61BEF0D-F0BB-DE4B-95CE-6DB70DBA9567}" type="datetimeFigureOut">
               <a:rPr lang="en-US" smtClean="0"/>
               <a:pPr/>
-              <a:t>10/8/2019</a:t>
+              <a:t>10/9/2019</a:t>
             </a:fld>
             <a:endParaRPr lang="en-US" dirty="0"/>
           </a:p>
@@ -4327,7 +4328,7 @@
             <a:fld id="{B61BEF0D-F0BB-DE4B-95CE-6DB70DBA9567}" type="datetimeFigureOut">
               <a:rPr lang="en-US" smtClean="0"/>
               <a:pPr/>
-              <a:t>10/8/2019</a:t>
+              <a:t>10/9/2019</a:t>
             </a:fld>
             <a:endParaRPr lang="en-US" dirty="0"/>
           </a:p>
@@ -4649,7 +4650,7 @@
             <a:fld id="{B61BEF0D-F0BB-DE4B-95CE-6DB70DBA9567}" type="datetimeFigureOut">
               <a:rPr lang="en-US" smtClean="0"/>
               <a:pPr/>
-              <a:t>10/8/2019</a:t>
+              <a:t>10/9/2019</a:t>
             </a:fld>
             <a:endParaRPr lang="en-US" dirty="0"/>
           </a:p>
@@ -5047,7 +5048,7 @@
             <a:fld id="{B61BEF0D-F0BB-DE4B-95CE-6DB70DBA9567}" type="datetimeFigureOut">
               <a:rPr lang="en-US" smtClean="0"/>
               <a:pPr/>
-              <a:t>10/8/2019</a:t>
+              <a:t>10/9/2019</a:t>
             </a:fld>
             <a:endParaRPr lang="en-US" dirty="0"/>
           </a:p>
@@ -5306,7 +5307,7 @@
             <a:fld id="{B61BEF0D-F0BB-DE4B-95CE-6DB70DBA9567}" type="datetimeFigureOut">
               <a:rPr lang="en-US" smtClean="0"/>
               <a:pPr/>
-              <a:t>10/8/2019</a:t>
+              <a:t>10/9/2019</a:t>
             </a:fld>
             <a:endParaRPr lang="en-US" dirty="0"/>
           </a:p>
@@ -5570,7 +5571,7 @@
             <a:fld id="{B61BEF0D-F0BB-DE4B-95CE-6DB70DBA9567}" type="datetimeFigureOut">
               <a:rPr lang="en-US" smtClean="0"/>
               <a:pPr/>
-              <a:t>10/8/2019</a:t>
+              <a:t>10/9/2019</a:t>
             </a:fld>
             <a:endParaRPr lang="en-US" dirty="0"/>
           </a:p>
@@ -5834,7 +5835,7 @@
             <a:fld id="{B61BEF0D-F0BB-DE4B-95CE-6DB70DBA9567}" type="datetimeFigureOut">
               <a:rPr lang="en-US" smtClean="0"/>
               <a:pPr/>
-              <a:t>10/8/2019</a:t>
+              <a:t>10/9/2019</a:t>
             </a:fld>
             <a:endParaRPr lang="en-US" dirty="0"/>
           </a:p>
@@ -6165,7 +6166,7 @@
             <a:fld id="{B61BEF0D-F0BB-DE4B-95CE-6DB70DBA9567}" type="datetimeFigureOut">
               <a:rPr lang="en-US" smtClean="0"/>
               <a:pPr/>
-              <a:t>10/8/2019</a:t>
+              <a:t>10/9/2019</a:t>
             </a:fld>
             <a:endParaRPr lang="en-US" dirty="0"/>
           </a:p>
@@ -6490,7 +6491,7 @@
             <a:fld id="{B61BEF0D-F0BB-DE4B-95CE-6DB70DBA9567}" type="datetimeFigureOut">
               <a:rPr lang="en-US" smtClean="0"/>
               <a:pPr/>
-              <a:t>10/8/2019</a:t>
+              <a:t>10/9/2019</a:t>
             </a:fld>
             <a:endParaRPr lang="en-US" dirty="0"/>
           </a:p>
@@ -6949,7 +6950,7 @@
             <a:fld id="{B61BEF0D-F0BB-DE4B-95CE-6DB70DBA9567}" type="datetimeFigureOut">
               <a:rPr lang="en-US" smtClean="0"/>
               <a:pPr/>
-              <a:t>10/8/2019</a:t>
+              <a:t>10/9/2019</a:t>
             </a:fld>
             <a:endParaRPr lang="en-US" dirty="0"/>
           </a:p>
@@ -7156,7 +7157,7 @@
             <a:fld id="{B61BEF0D-F0BB-DE4B-95CE-6DB70DBA9567}" type="datetimeFigureOut">
               <a:rPr lang="en-US" smtClean="0"/>
               <a:pPr/>
-              <a:t>10/8/2019</a:t>
+              <a:t>10/9/2019</a:t>
             </a:fld>
             <a:endParaRPr lang="en-US" dirty="0"/>
           </a:p>
@@ -7335,7 +7336,7 @@
             <a:fld id="{B61BEF0D-F0BB-DE4B-95CE-6DB70DBA9567}" type="datetimeFigureOut">
               <a:rPr lang="en-US" smtClean="0"/>
               <a:pPr/>
-              <a:t>10/8/2019</a:t>
+              <a:t>10/9/2019</a:t>
             </a:fld>
             <a:endParaRPr lang="en-US" dirty="0"/>
           </a:p>
@@ -7670,7 +7671,7 @@
             <a:fld id="{B61BEF0D-F0BB-DE4B-95CE-6DB70DBA9567}" type="datetimeFigureOut">
               <a:rPr lang="en-US" smtClean="0"/>
               <a:pPr/>
-              <a:t>10/8/2019</a:t>
+              <a:t>10/9/2019</a:t>
             </a:fld>
             <a:endParaRPr lang="en-US" dirty="0"/>
           </a:p>
@@ -8017,7 +8018,7 @@
             <a:fld id="{B61BEF0D-F0BB-DE4B-95CE-6DB70DBA9567}" type="datetimeFigureOut">
               <a:rPr lang="en-US" smtClean="0"/>
               <a:pPr/>
-              <a:t>10/8/2019</a:t>
+              <a:t>10/9/2019</a:t>
             </a:fld>
             <a:endParaRPr lang="en-US" dirty="0"/>
           </a:p>
@@ -10073,7 +10074,7 @@
             <a:fld id="{B61BEF0D-F0BB-DE4B-95CE-6DB70DBA9567}" type="datetimeFigureOut">
               <a:rPr lang="en-US" smtClean="0"/>
               <a:pPr/>
-              <a:t>10/8/2019</a:t>
+              <a:t>10/9/2019</a:t>
             </a:fld>
             <a:endParaRPr lang="en-US" dirty="0"/>
           </a:p>
@@ -15638,7 +15639,7 @@
         </p:nvSpPr>
         <p:spPr/>
         <p:txBody>
-          <a:bodyPr>
+          <a:bodyPr vert="horz" lIns="91440" tIns="45720" rIns="91440" bIns="45720" rtlCol="0" anchor="t">
             <a:normAutofit lnSpcReduction="10000"/>
           </a:bodyPr>
           <a:lstStyle/>
@@ -15681,7 +15682,7 @@
             </a:r>
             <a:r>
               <a:rPr lang="en-US" dirty="0"/>
-              <a:t> notebook on the Google Cloud platform to run python code. This allowed us to process the code on a GPU for speed.</a:t>
+              <a:t> notebook on the Google Cloud platform to run python code. This allowed us to process the code using TensorFlow on a GPU for speed.</a:t>
             </a:r>
           </a:p>
           <a:p>
@@ -29883,18 +29884,18 @@
 </file>
 
 <file path=customXml/item1.xml><?xml version="1.0" encoding="utf-8"?>
-<p:properties xmlns:p="http://schemas.microsoft.com/office/2006/metadata/properties" xmlns:xsi="http://www.w3.org/2001/XMLSchema-instance" xmlns:pc="http://schemas.microsoft.com/office/infopath/2007/PartnerControls">
-  <documentManagement/>
-</p:properties>
-</file>
-
-<file path=customXml/item2.xml><?xml version="1.0" encoding="utf-8"?>
 <?mso-contentType ?>
 <FormTemplates xmlns="http://schemas.microsoft.com/sharepoint/v3/contenttype/forms">
   <Display>DocumentLibraryForm</Display>
   <Edit>DocumentLibraryForm</Edit>
   <New>DocumentLibraryForm</New>
 </FormTemplates>
+</file>
+
+<file path=customXml/item2.xml><?xml version="1.0" encoding="utf-8"?>
+<p:properties xmlns:p="http://schemas.microsoft.com/office/2006/metadata/properties" xmlns:xsi="http://www.w3.org/2001/XMLSchema-instance" xmlns:pc="http://schemas.microsoft.com/office/infopath/2007/PartnerControls">
+  <documentManagement/>
+</p:properties>
 </file>
 
 <file path=customXml/item3.xml><?xml version="1.0" encoding="utf-8"?>
@@ -30012,24 +30013,18 @@
 </file>
 
 <file path=customXml/itemProps1.xml><?xml version="1.0" encoding="utf-8"?>
-<ds:datastoreItem xmlns:ds="http://schemas.openxmlformats.org/officeDocument/2006/customXml" ds:itemID="{19791FE0-E525-44F5-B24B-E8E5757CF5F2}">
+<ds:datastoreItem xmlns:ds="http://schemas.openxmlformats.org/officeDocument/2006/customXml" ds:itemID="{76428C60-BADF-461E-ACB1-6AC412BA55B1}">
   <ds:schemaRefs>
-    <ds:schemaRef ds:uri="http://purl.org/dc/elements/1.1/"/>
-    <ds:schemaRef ds:uri="http://schemas.microsoft.com/office/2006/documentManagement/types"/>
-    <ds:schemaRef ds:uri="http://schemas.microsoft.com/office/infopath/2007/PartnerControls"/>
-    <ds:schemaRef ds:uri="http://schemas.microsoft.com/office/2006/metadata/properties"/>
-    <ds:schemaRef ds:uri="http://purl.org/dc/terms/"/>
-    <ds:schemaRef ds:uri="http://schemas.openxmlformats.org/package/2006/metadata/core-properties"/>
-    <ds:schemaRef ds:uri="http://www.w3.org/XML/1998/namespace"/>
-    <ds:schemaRef ds:uri="http://purl.org/dc/dcmitype/"/>
+    <ds:schemaRef ds:uri="http://schemas.microsoft.com/sharepoint/v3/contenttype/forms"/>
   </ds:schemaRefs>
 </ds:datastoreItem>
 </file>
 
 <file path=customXml/itemProps2.xml><?xml version="1.0" encoding="utf-8"?>
-<ds:datastoreItem xmlns:ds="http://schemas.openxmlformats.org/officeDocument/2006/customXml" ds:itemID="{76428C60-BADF-461E-ACB1-6AC412BA55B1}">
+<ds:datastoreItem xmlns:ds="http://schemas.openxmlformats.org/officeDocument/2006/customXml" ds:itemID="{19791FE0-E525-44F5-B24B-E8E5757CF5F2}">
   <ds:schemaRefs>
-    <ds:schemaRef ds:uri="http://schemas.microsoft.com/sharepoint/v3/contenttype/forms"/>
+    <ds:schemaRef ds:uri="http://schemas.microsoft.com/office/2006/metadata/properties"/>
+    <ds:schemaRef ds:uri="http://schemas.microsoft.com/office/infopath/2007/PartnerControls"/>
   </ds:schemaRefs>
 </ds:datastoreItem>
 </file>
